--- a/20181102向け_大内.pptx
+++ b/20181102向け_大内.pptx
@@ -5,14 +5,15 @@
     <p:sldMasterId id="2147483660" r:id="rId1"/>
   </p:sldMasterIdLst>
   <p:notesMasterIdLst>
-    <p:notesMasterId r:id="rId7"/>
+    <p:notesMasterId r:id="rId8"/>
   </p:notesMasterIdLst>
   <p:sldIdLst>
     <p:sldId id="266" r:id="rId2"/>
     <p:sldId id="267" r:id="rId3"/>
     <p:sldId id="268" r:id="rId4"/>
     <p:sldId id="269" r:id="rId5"/>
-    <p:sldId id="270" r:id="rId6"/>
+    <p:sldId id="271" r:id="rId6"/>
+    <p:sldId id="270" r:id="rId7"/>
   </p:sldIdLst>
   <p:sldSz cx="9144000" cy="6858000" type="screen4x3"/>
   <p:notesSz cx="6858000" cy="9144000"/>
@@ -322,7 +323,7 @@
           <a:p>
             <a:fld id="{C4ABB949-692E-42BF-829F-901FC375E028}" type="datetimeFigureOut">
               <a:rPr kumimoji="1" lang="ja-JP" altLang="en-US" smtClean="0"/>
-              <a:t>2018/10/30</a:t>
+              <a:t>2018/10/31</a:t>
             </a:fld>
             <a:endParaRPr kumimoji="1" lang="ja-JP" altLang="en-US"/>
           </a:p>
@@ -1031,6 +1032,90 @@
     </p:spTree>
     <p:extLst>
       <p:ext uri="{BB962C8B-B14F-4D97-AF65-F5344CB8AC3E}">
+        <p14:creationId xmlns:p14="http://schemas.microsoft.com/office/powerpoint/2010/main" val="961887002"/>
+      </p:ext>
+    </p:extLst>
+  </p:cSld>
+  <p:clrMapOvr>
+    <a:masterClrMapping/>
+  </p:clrMapOvr>
+</p:notes>
+</file>
+
+<file path=ppt/notesSlides/notesSlide6.xml><?xml version="1.0" encoding="utf-8"?>
+<p:notes xmlns:a="http://schemas.openxmlformats.org/drawingml/2006/main" xmlns:r="http://schemas.openxmlformats.org/officeDocument/2006/relationships" xmlns:p="http://schemas.openxmlformats.org/presentationml/2006/main">
+  <p:cSld>
+    <p:spTree>
+      <p:nvGrpSpPr>
+        <p:cNvPr id="1" name=""/>
+        <p:cNvGrpSpPr/>
+        <p:nvPr/>
+      </p:nvGrpSpPr>
+      <p:grpSpPr>
+        <a:xfrm>
+          <a:off x="0" y="0"/>
+          <a:ext cx="0" cy="0"/>
+          <a:chOff x="0" y="0"/>
+          <a:chExt cx="0" cy="0"/>
+        </a:xfrm>
+      </p:grpSpPr>
+      <p:sp>
+        <p:nvSpPr>
+          <p:cNvPr id="2" name="スライド イメージ プレースホルダー 1"/>
+          <p:cNvSpPr>
+            <a:spLocks noGrp="1" noRot="1" noChangeAspect="1"/>
+          </p:cNvSpPr>
+          <p:nvPr>
+            <p:ph type="sldImg"/>
+          </p:nvPr>
+        </p:nvSpPr>
+        <p:spPr/>
+      </p:sp>
+      <p:sp>
+        <p:nvSpPr>
+          <p:cNvPr id="3" name="ノート プレースホルダー 2"/>
+          <p:cNvSpPr>
+            <a:spLocks noGrp="1"/>
+          </p:cNvSpPr>
+          <p:nvPr>
+            <p:ph type="body" idx="1"/>
+          </p:nvPr>
+        </p:nvSpPr>
+        <p:spPr/>
+        <p:txBody>
+          <a:bodyPr/>
+          <a:lstStyle/>
+          <a:p>
+            <a:endParaRPr kumimoji="1" lang="en-US" altLang="ja-JP"/>
+          </a:p>
+        </p:txBody>
+      </p:sp>
+      <p:sp>
+        <p:nvSpPr>
+          <p:cNvPr id="4" name="スライド番号プレースホルダー 3"/>
+          <p:cNvSpPr>
+            <a:spLocks noGrp="1"/>
+          </p:cNvSpPr>
+          <p:nvPr>
+            <p:ph type="sldNum" sz="quarter" idx="10"/>
+          </p:nvPr>
+        </p:nvSpPr>
+        <p:spPr/>
+        <p:txBody>
+          <a:bodyPr/>
+          <a:lstStyle/>
+          <a:p>
+            <a:fld id="{7BF5BFFB-47F6-4BD4-AC27-E902CA96AB2F}" type="slidenum">
+              <a:rPr kumimoji="1" lang="ja-JP" altLang="en-US" smtClean="0"/>
+              <a:t>6</a:t>
+            </a:fld>
+            <a:endParaRPr kumimoji="1" lang="ja-JP" altLang="en-US"/>
+          </a:p>
+        </p:txBody>
+      </p:sp>
+    </p:spTree>
+    <p:extLst>
+      <p:ext uri="{BB962C8B-B14F-4D97-AF65-F5344CB8AC3E}">
         <p14:creationId xmlns:p14="http://schemas.microsoft.com/office/powerpoint/2010/main" val="802496579"/>
       </p:ext>
     </p:extLst>
@@ -1075,7 +1160,7 @@
           <a:p>
             <a:fld id="{30F537A5-90F7-4E7D-A002-857BBF3851AE}" type="datetime1">
               <a:rPr kumimoji="1" lang="ja-JP" altLang="en-US" smtClean="0"/>
-              <a:t>2018/10/30</a:t>
+              <a:t>2018/10/31</a:t>
             </a:fld>
             <a:endParaRPr kumimoji="1" lang="ja-JP" altLang="en-US"/>
           </a:p>
@@ -1210,7 +1295,7 @@
           <a:p>
             <a:fld id="{9819A01A-CED4-4A51-8530-2BB8AB40DFE8}" type="datetime1">
               <a:rPr kumimoji="1" lang="ja-JP" altLang="en-US" smtClean="0"/>
-              <a:t>2018/10/30</a:t>
+              <a:t>2018/10/31</a:t>
             </a:fld>
             <a:endParaRPr kumimoji="1" lang="ja-JP" altLang="en-US"/>
           </a:p>
@@ -1455,7 +1540,7 @@
           <a:p>
             <a:fld id="{9819A01A-CED4-4A51-8530-2BB8AB40DFE8}" type="datetime1">
               <a:rPr kumimoji="1" lang="ja-JP" altLang="en-US" smtClean="0"/>
-              <a:t>2018/10/30</a:t>
+              <a:t>2018/10/31</a:t>
             </a:fld>
             <a:endParaRPr kumimoji="1" lang="ja-JP" altLang="en-US"/>
           </a:p>
@@ -1573,7 +1658,7 @@
             </a:r>
             <a:r>
               <a:rPr kumimoji="1" lang="en-US" altLang="ja-JP" sz="1200" dirty="0"/>
-              <a:t>	2018/11/2</a:t>
+              <a:t>	2018/11/1</a:t>
             </a:r>
           </a:p>
           <a:p>
@@ -1970,7 +2055,7 @@
             </a:r>
             <a:r>
               <a:rPr kumimoji="1" lang="en-US" altLang="ja-JP" sz="2000" dirty="0"/>
-              <a:t>2018/11/2</a:t>
+              <a:t>2018/11/1</a:t>
             </a:r>
             <a:r>
               <a:rPr kumimoji="1" lang="ja-JP" altLang="en-US" sz="2000" dirty="0"/>
@@ -2512,7 +2597,7 @@
             </a:r>
             <a:r>
               <a:rPr kumimoji="1" lang="en-US" altLang="ja-JP" sz="2000" dirty="0"/>
-              <a:t>2018/11/2</a:t>
+              <a:t>2018/11/1</a:t>
             </a:r>
             <a:r>
               <a:rPr kumimoji="1" lang="ja-JP" altLang="en-US" sz="2000" dirty="0"/>
@@ -2624,8 +2709,8 @@
         </p:nvSpPr>
         <p:spPr>
           <a:xfrm>
-            <a:off x="539174" y="1992649"/>
-            <a:ext cx="8241411" cy="2215991"/>
+            <a:off x="405164" y="1708865"/>
+            <a:ext cx="8241411" cy="3046988"/>
           </a:xfrm>
           <a:prstGeom prst="rect">
             <a:avLst/>
@@ -2650,12 +2735,24 @@
               <a:buChar char="•"/>
             </a:pPr>
             <a:r>
+              <a:rPr kumimoji="1" lang="ja-JP" altLang="en-US" dirty="0"/>
+              <a:t>大量（</a:t>
+            </a:r>
+            <a:r>
+              <a:rPr kumimoji="1" lang="en-US" altLang="ja-JP" dirty="0"/>
+              <a:t>56</a:t>
+            </a:r>
+            <a:r>
+              <a:rPr kumimoji="1" lang="ja-JP" altLang="en-US" dirty="0"/>
+              <a:t>万行）の</a:t>
+            </a:r>
+            <a:r>
               <a:rPr kumimoji="1" lang="en-US" altLang="ja-JP" dirty="0"/>
               <a:t>Wiki</a:t>
             </a:r>
             <a:r>
               <a:rPr kumimoji="1" lang="ja-JP" altLang="en-US" dirty="0"/>
-              <a:t>に対する毒舌コメントを、毒舌内容をいくつかのカテゴリにクラス分け</a:t>
+              <a:t>文章を解析し、毒舌の種類に応じてクラス分けする。</a:t>
             </a:r>
           </a:p>
           <a:p>
@@ -2677,7 +2774,7 @@
             </a:r>
             <a:r>
               <a:rPr kumimoji="1" lang="ja-JP" altLang="en-US" dirty="0"/>
-              <a:t>ファクターを用いたクラス分類アルゴリズム）を使用。</a:t>
+              <a:t>ファクターを用いたクラス分類アルゴリズム）が使われている。</a:t>
             </a:r>
             <a:endParaRPr kumimoji="1" lang="en-US" altLang="ja-JP" dirty="0"/>
           </a:p>
@@ -2731,39 +2828,29 @@
               <a:rPr kumimoji="1" lang="ja-JP" altLang="en-US" dirty="0"/>
               <a:t>」もついでに学びたい</a:t>
             </a:r>
-          </a:p>
-        </p:txBody>
-      </p:sp>
-      <p:sp>
-        <p:nvSpPr>
-          <p:cNvPr id="2" name="正方形/長方形 1">
-            <a:extLst>
-              <a:ext uri="{FF2B5EF4-FFF2-40B4-BE49-F238E27FC236}">
-                <a16:creationId xmlns:a16="http://schemas.microsoft.com/office/drawing/2014/main" id="{6FCA2580-96FD-44A2-8808-A49E9B0AEE55}"/>
-              </a:ext>
-            </a:extLst>
-          </p:cNvPr>
-          <p:cNvSpPr/>
-          <p:nvPr/>
-        </p:nvSpPr>
-        <p:spPr>
-          <a:xfrm>
-            <a:off x="568487" y="1404379"/>
-            <a:ext cx="8036339" cy="369332"/>
-          </a:xfrm>
-          <a:prstGeom prst="rect">
-            <a:avLst/>
-          </a:prstGeom>
-        </p:spPr>
-        <p:txBody>
-          <a:bodyPr wrap="square">
-            <a:spAutoFit/>
-          </a:bodyPr>
-          <a:lstStyle/>
+            <a:endParaRPr kumimoji="1" lang="en-US" altLang="ja-JP" dirty="0"/>
+          </a:p>
+          <a:p>
+            <a:pPr marL="285750" indent="-285750">
+              <a:buFont typeface="Arial" panose="020B0604020202020204" pitchFamily="34" charset="0"/>
+              <a:buChar char="•"/>
+            </a:pPr>
+            <a:endParaRPr kumimoji="1" lang="en-US" altLang="ja-JP" dirty="0"/>
+          </a:p>
+          <a:p>
+            <a:r>
+              <a:rPr kumimoji="1" lang="ja-JP" altLang="en-US" dirty="0"/>
+              <a:t>■題材の</a:t>
+            </a:r>
+            <a:r>
+              <a:rPr kumimoji="1" lang="en-US" altLang="ja-JP" dirty="0"/>
+              <a:t>URL</a:t>
+            </a:r>
+          </a:p>
           <a:p>
             <a:r>
               <a:rPr lang="ja-JP" altLang="en-US" dirty="0"/>
-              <a:t>https://www.kaggle.com/tunguz/logistic-regression-with-words-and-char-n-grams</a:t>
+              <a:t>　https://www.kaggle.com/tunguz/logistic-regression-with-words-and-char-n-grams</a:t>
             </a:r>
           </a:p>
         </p:txBody>
@@ -2848,7 +2935,7 @@
             </a:r>
             <a:r>
               <a:rPr kumimoji="1" lang="en-US" altLang="ja-JP" sz="2000" dirty="0"/>
-              <a:t>2018/11/2</a:t>
+              <a:t>2018/11/1</a:t>
             </a:r>
             <a:r>
               <a:rPr kumimoji="1" lang="ja-JP" altLang="en-US" sz="2000" dirty="0"/>
@@ -2932,7 +3019,7 @@
             <a:pPr algn="ctr"/>
             <a:r>
               <a:rPr lang="ja-JP" altLang="en-US" dirty="0"/>
-              <a:t>クラス分けされた毒舌</a:t>
+              <a:t>クラス分けの基準（毒舌キーワード）</a:t>
             </a:r>
             <a:endParaRPr lang="en-US" altLang="ja-JP" dirty="0"/>
           </a:p>
@@ -2953,14 +3040,14 @@
           <p:nvPr>
             <p:extLst>
               <p:ext uri="{D42A27DB-BD31-4B8C-83A1-F6EECF244321}">
-                <p14:modId xmlns:p14="http://schemas.microsoft.com/office/powerpoint/2010/main" val="3910766686"/>
+                <p14:modId xmlns:p14="http://schemas.microsoft.com/office/powerpoint/2010/main" val="3196070424"/>
               </p:ext>
             </p:extLst>
           </p:nvPr>
         </p:nvGraphicFramePr>
         <p:xfrm>
-          <a:off x="644769" y="2228167"/>
-          <a:ext cx="5931877" cy="2595880"/>
+          <a:off x="1342859" y="1828800"/>
+          <a:ext cx="6631102" cy="3200400"/>
         </p:xfrm>
         <a:graphic>
           <a:graphicData uri="http://schemas.openxmlformats.org/drawingml/2006/table">
@@ -2969,14 +3056,14 @@
                 <a:tableStyleId>{5940675A-B579-460E-94D1-54222C63F5DA}</a:tableStyleId>
               </a:tblPr>
               <a:tblGrid>
-                <a:gridCol w="1524000">
+                <a:gridCol w="3120986">
                   <a:extLst>
                     <a:ext uri="{9D8B030D-6E8A-4147-A177-3AD203B41FA5}">
                       <a16:colId xmlns:a16="http://schemas.microsoft.com/office/drawing/2014/main" val="1340998976"/>
                     </a:ext>
                   </a:extLst>
                 </a:gridCol>
-                <a:gridCol w="4407877">
+                <a:gridCol w="3510116">
                   <a:extLst>
                     <a:ext uri="{9D8B030D-6E8A-4147-A177-3AD203B41FA5}">
                       <a16:colId xmlns:a16="http://schemas.microsoft.com/office/drawing/2014/main" val="1223533839"/>
@@ -2991,17 +3078,20 @@
                     <a:lstStyle/>
                     <a:p>
                       <a:r>
-                        <a:rPr kumimoji="1" lang="en-US" altLang="ja-JP" dirty="0"/>
+                        <a:rPr kumimoji="1" lang="en-US" altLang="ja-JP" sz="2400" dirty="0">
+                          <a:solidFill>
+                            <a:schemeClr val="bg1"/>
+                          </a:solidFill>
+                        </a:rPr>
                         <a:t>Keyword</a:t>
                       </a:r>
-                      <a:endParaRPr kumimoji="1" lang="ja-JP" altLang="en-US" dirty="0"/>
                     </a:p>
                   </a:txBody>
                   <a:tcPr>
                     <a:solidFill>
                       <a:schemeClr val="accent6">
-                        <a:lumMod val="20000"/>
-                        <a:lumOff val="80000"/>
+                        <a:lumMod val="60000"/>
+                        <a:lumOff val="40000"/>
                       </a:schemeClr>
                     </a:solidFill>
                   </a:tcPr>
@@ -3012,7 +3102,11 @@
                     <a:lstStyle/>
                     <a:p>
                       <a:r>
-                        <a:rPr kumimoji="1" lang="ja-JP" altLang="en-US" dirty="0"/>
+                        <a:rPr kumimoji="1" lang="ja-JP" altLang="en-US" sz="2400" dirty="0">
+                          <a:solidFill>
+                            <a:schemeClr val="bg1"/>
+                          </a:solidFill>
+                        </a:rPr>
                         <a:t>意味</a:t>
                       </a:r>
                     </a:p>
@@ -3020,8 +3114,8 @@
                   <a:tcPr>
                     <a:solidFill>
                       <a:schemeClr val="accent6">
-                        <a:lumMod val="20000"/>
-                        <a:lumOff val="80000"/>
+                        <a:lumMod val="60000"/>
+                        <a:lumOff val="40000"/>
                       </a:schemeClr>
                     </a:solidFill>
                   </a:tcPr>
@@ -3039,10 +3133,10 @@
                     <a:lstStyle/>
                     <a:p>
                       <a:r>
-                        <a:rPr kumimoji="1" lang="en-US" altLang="ja-JP" dirty="0"/>
+                        <a:rPr kumimoji="1" lang="en-US" altLang="ja-JP" sz="2400" dirty="0"/>
                         <a:t>toxic</a:t>
                       </a:r>
-                      <a:endParaRPr kumimoji="1" lang="ja-JP" altLang="en-US" dirty="0"/>
+                      <a:endParaRPr kumimoji="1" lang="ja-JP" altLang="en-US" sz="2400" dirty="0"/>
                     </a:p>
                   </a:txBody>
                   <a:tcPr/>
@@ -3053,7 +3147,7 @@
                     <a:lstStyle/>
                     <a:p>
                       <a:r>
-                        <a:rPr kumimoji="1" lang="ja-JP" altLang="en-US" dirty="0"/>
+                        <a:rPr kumimoji="1" lang="ja-JP" altLang="en-US" sz="2400" dirty="0"/>
                         <a:t>毒舌</a:t>
                       </a:r>
                     </a:p>
@@ -3073,10 +3167,10 @@
                     <a:lstStyle/>
                     <a:p>
                       <a:r>
-                        <a:rPr kumimoji="1" lang="en-US" altLang="ja-JP" dirty="0" err="1"/>
+                        <a:rPr kumimoji="1" lang="en-US" altLang="ja-JP" sz="2400" dirty="0" err="1"/>
                         <a:t>severe_toxic</a:t>
                       </a:r>
-                      <a:endParaRPr kumimoji="1" lang="ja-JP" altLang="en-US" dirty="0"/>
+                      <a:endParaRPr kumimoji="1" lang="ja-JP" altLang="en-US" sz="2400" dirty="0"/>
                     </a:p>
                   </a:txBody>
                   <a:tcPr/>
@@ -3087,7 +3181,7 @@
                     <a:lstStyle/>
                     <a:p>
                       <a:r>
-                        <a:rPr kumimoji="1" lang="ja-JP" altLang="en-US" dirty="0"/>
+                        <a:rPr kumimoji="1" lang="ja-JP" altLang="en-US" sz="2400" dirty="0"/>
                         <a:t>程度の強い毒舌</a:t>
                       </a:r>
                     </a:p>
@@ -3107,10 +3201,10 @@
                     <a:lstStyle/>
                     <a:p>
                       <a:r>
-                        <a:rPr kumimoji="1" lang="en-US" altLang="ja-JP" dirty="0"/>
+                        <a:rPr kumimoji="1" lang="en-US" altLang="ja-JP" sz="2400" dirty="0"/>
                         <a:t>obscene</a:t>
                       </a:r>
-                      <a:endParaRPr kumimoji="1" lang="ja-JP" altLang="en-US" dirty="0"/>
+                      <a:endParaRPr kumimoji="1" lang="ja-JP" altLang="en-US" sz="2400" dirty="0"/>
                     </a:p>
                   </a:txBody>
                   <a:tcPr/>
@@ -3121,7 +3215,7 @@
                     <a:lstStyle/>
                     <a:p>
                       <a:r>
-                        <a:rPr kumimoji="1" lang="ja-JP" altLang="en-US" dirty="0"/>
+                        <a:rPr kumimoji="1" lang="ja-JP" altLang="en-US" sz="2400" dirty="0"/>
                         <a:t>卑猥</a:t>
                       </a:r>
                     </a:p>
@@ -3141,10 +3235,10 @@
                     <a:lstStyle/>
                     <a:p>
                       <a:r>
-                        <a:rPr kumimoji="1" lang="en-US" altLang="ja-JP" dirty="0"/>
+                        <a:rPr kumimoji="1" lang="en-US" altLang="ja-JP" sz="2400" dirty="0"/>
                         <a:t>threat</a:t>
                       </a:r>
-                      <a:endParaRPr kumimoji="1" lang="ja-JP" altLang="en-US" dirty="0"/>
+                      <a:endParaRPr kumimoji="1" lang="ja-JP" altLang="en-US" sz="2400" dirty="0"/>
                     </a:p>
                   </a:txBody>
                   <a:tcPr/>
@@ -3155,7 +3249,7 @@
                     <a:lstStyle/>
                     <a:p>
                       <a:r>
-                        <a:rPr kumimoji="1" lang="ja-JP" altLang="en-US" dirty="0"/>
+                        <a:rPr kumimoji="1" lang="ja-JP" altLang="en-US" sz="2400" dirty="0"/>
                         <a:t>脅し</a:t>
                       </a:r>
                     </a:p>
@@ -3175,10 +3269,10 @@
                     <a:lstStyle/>
                     <a:p>
                       <a:r>
-                        <a:rPr kumimoji="1" lang="en-US" altLang="ja-JP" dirty="0"/>
+                        <a:rPr kumimoji="1" lang="en-US" altLang="ja-JP" sz="2400" dirty="0"/>
                         <a:t>insult</a:t>
                       </a:r>
-                      <a:endParaRPr kumimoji="1" lang="ja-JP" altLang="en-US" dirty="0"/>
+                      <a:endParaRPr kumimoji="1" lang="ja-JP" altLang="en-US" sz="2400" dirty="0"/>
                     </a:p>
                   </a:txBody>
                   <a:tcPr/>
@@ -3189,7 +3283,7 @@
                     <a:lstStyle/>
                     <a:p>
                       <a:r>
-                        <a:rPr kumimoji="1" lang="ja-JP" altLang="en-US" dirty="0"/>
+                        <a:rPr kumimoji="1" lang="ja-JP" altLang="en-US" sz="2400" dirty="0"/>
                         <a:t>侮辱</a:t>
                       </a:r>
                     </a:p>
@@ -3209,10 +3303,10 @@
                     <a:lstStyle/>
                     <a:p>
                       <a:r>
-                        <a:rPr kumimoji="1" lang="en-US" altLang="ja-JP" dirty="0" err="1"/>
+                        <a:rPr kumimoji="1" lang="en-US" altLang="ja-JP" sz="2400" dirty="0" err="1"/>
                         <a:t>identity_hate</a:t>
                       </a:r>
-                      <a:endParaRPr kumimoji="1" lang="ja-JP" altLang="en-US" dirty="0"/>
+                      <a:endParaRPr kumimoji="1" lang="ja-JP" altLang="en-US" sz="2400" dirty="0"/>
                     </a:p>
                   </a:txBody>
                   <a:tcPr/>
@@ -3223,7 +3317,7 @@
                     <a:lstStyle/>
                     <a:p>
                       <a:r>
-                        <a:rPr kumimoji="1" lang="ja-JP" altLang="en-US" dirty="0"/>
+                        <a:rPr kumimoji="1" lang="ja-JP" altLang="en-US" sz="2400" dirty="0"/>
                         <a:t>同一性＋憎しみ？？？</a:t>
                       </a:r>
                     </a:p>
@@ -3320,7 +3414,7 @@
             </a:r>
             <a:r>
               <a:rPr kumimoji="1" lang="en-US" altLang="ja-JP" sz="2000" dirty="0"/>
-              <a:t>2018/11/2</a:t>
+              <a:t>2018/11/1</a:t>
             </a:r>
             <a:r>
               <a:rPr kumimoji="1" lang="ja-JP" altLang="en-US" sz="2000" dirty="0"/>
@@ -3355,6 +3449,447 @@
               <a:t>4</a:t>
             </a:fld>
             <a:endParaRPr kumimoji="1" lang="ja-JP" altLang="en-US"/>
+          </a:p>
+        </p:txBody>
+      </p:sp>
+      <p:sp>
+        <p:nvSpPr>
+          <p:cNvPr id="4" name="四角形: 角を丸くする 3">
+            <a:extLst>
+              <a:ext uri="{FF2B5EF4-FFF2-40B4-BE49-F238E27FC236}">
+                <a16:creationId xmlns:a16="http://schemas.microsoft.com/office/drawing/2014/main" id="{EFB16278-5305-453C-8E2B-63A2BFD6B8BD}"/>
+              </a:ext>
+            </a:extLst>
+          </p:cNvPr>
+          <p:cNvSpPr/>
+          <p:nvPr/>
+        </p:nvSpPr>
+        <p:spPr>
+          <a:xfrm>
+            <a:off x="355476" y="977115"/>
+            <a:ext cx="8338801" cy="408623"/>
+          </a:xfrm>
+          <a:prstGeom prst="roundRect">
+            <a:avLst/>
+          </a:prstGeom>
+        </p:spPr>
+        <p:style>
+          <a:lnRef idx="2">
+            <a:schemeClr val="accent6">
+              <a:shade val="50000"/>
+            </a:schemeClr>
+          </a:lnRef>
+          <a:fillRef idx="1">
+            <a:schemeClr val="accent6"/>
+          </a:fillRef>
+          <a:effectRef idx="0">
+            <a:schemeClr val="accent6"/>
+          </a:effectRef>
+          <a:fontRef idx="minor">
+            <a:schemeClr val="lt1"/>
+          </a:fontRef>
+        </p:style>
+        <p:txBody>
+          <a:bodyPr wrap="square">
+            <a:spAutoFit/>
+          </a:bodyPr>
+          <a:lstStyle/>
+          <a:p>
+            <a:pPr algn="ctr"/>
+            <a:r>
+              <a:rPr lang="ja-JP" altLang="en-US" dirty="0"/>
+              <a:t>訓練データと評価データについて</a:t>
+            </a:r>
+            <a:endParaRPr lang="en-US" altLang="ja-JP" dirty="0"/>
+          </a:p>
+        </p:txBody>
+      </p:sp>
+      <p:sp>
+        <p:nvSpPr>
+          <p:cNvPr id="6" name="テキスト ボックス 5">
+            <a:extLst>
+              <a:ext uri="{FF2B5EF4-FFF2-40B4-BE49-F238E27FC236}">
+                <a16:creationId xmlns:a16="http://schemas.microsoft.com/office/drawing/2014/main" id="{D8F0515D-B5A9-4390-8E35-34A9CF836438}"/>
+              </a:ext>
+            </a:extLst>
+          </p:cNvPr>
+          <p:cNvSpPr txBox="1"/>
+          <p:nvPr/>
+        </p:nvSpPr>
+        <p:spPr>
+          <a:xfrm>
+            <a:off x="539174" y="1687847"/>
+            <a:ext cx="8241411" cy="2769989"/>
+          </a:xfrm>
+          <a:prstGeom prst="rect">
+            <a:avLst/>
+          </a:prstGeom>
+          <a:noFill/>
+        </p:spPr>
+        <p:txBody>
+          <a:bodyPr wrap="square" lIns="0" tIns="0" rIns="0" bIns="0" rtlCol="0">
+            <a:spAutoFit/>
+          </a:bodyPr>
+          <a:lstStyle/>
+          <a:p>
+            <a:r>
+              <a:rPr kumimoji="1" lang="ja-JP" altLang="en-US" dirty="0"/>
+              <a:t>■概要</a:t>
+            </a:r>
+            <a:endParaRPr kumimoji="1" lang="en-US" altLang="ja-JP" dirty="0"/>
+          </a:p>
+          <a:p>
+            <a:pPr marL="285750" indent="-285750">
+              <a:buFont typeface="Arial" panose="020B0604020202020204" pitchFamily="34" charset="0"/>
+              <a:buChar char="•"/>
+            </a:pPr>
+            <a:r>
+              <a:rPr kumimoji="1" lang="ja-JP" altLang="en-US" dirty="0"/>
+              <a:t>訓練データ（</a:t>
+            </a:r>
+            <a:r>
+              <a:rPr kumimoji="1" lang="en-US" altLang="ja-JP" dirty="0"/>
+              <a:t>train.csv</a:t>
+            </a:r>
+            <a:r>
+              <a:rPr kumimoji="1" lang="ja-JP" altLang="en-US" dirty="0"/>
+              <a:t>）、評価データ（</a:t>
+            </a:r>
+            <a:r>
+              <a:rPr kumimoji="1" lang="en-US" altLang="ja-JP" dirty="0"/>
+              <a:t>test.csv</a:t>
+            </a:r>
+            <a:r>
+              <a:rPr kumimoji="1" lang="ja-JP" altLang="en-US" dirty="0"/>
+              <a:t>）は</a:t>
+            </a:r>
+            <a:r>
+              <a:rPr kumimoji="1" lang="en-US" altLang="ja-JP" dirty="0"/>
+              <a:t>Wiki</a:t>
+            </a:r>
+            <a:r>
+              <a:rPr kumimoji="1" lang="ja-JP" altLang="en-US" dirty="0"/>
+              <a:t>の文章をテキスト形式で構成。</a:t>
+            </a:r>
+            <a:endParaRPr kumimoji="1" lang="en-US" altLang="ja-JP" dirty="0"/>
+          </a:p>
+          <a:p>
+            <a:pPr marL="285750" indent="-285750">
+              <a:buFont typeface="Arial" panose="020B0604020202020204" pitchFamily="34" charset="0"/>
+              <a:buChar char="•"/>
+            </a:pPr>
+            <a:r>
+              <a:rPr kumimoji="1" lang="ja-JP" altLang="en-US" dirty="0"/>
+              <a:t>それぞれ、</a:t>
+            </a:r>
+            <a:r>
+              <a:rPr kumimoji="1" lang="en-US" altLang="ja-JP" dirty="0"/>
+              <a:t>60MB</a:t>
+            </a:r>
+            <a:r>
+              <a:rPr kumimoji="1" lang="ja-JP" altLang="en-US" dirty="0"/>
+              <a:t>近くあり </a:t>
+            </a:r>
+            <a:r>
+              <a:rPr kumimoji="1" lang="en-US" altLang="ja-JP" dirty="0"/>
+              <a:t>Excel</a:t>
+            </a:r>
+            <a:r>
+              <a:rPr kumimoji="1" lang="ja-JP" altLang="en-US" dirty="0"/>
+              <a:t>で表示しきれないほど。</a:t>
+            </a:r>
+            <a:endParaRPr kumimoji="1" lang="en-US" altLang="ja-JP" dirty="0"/>
+          </a:p>
+          <a:p>
+            <a:pPr marL="285750" indent="-285750">
+              <a:buFont typeface="Arial" panose="020B0604020202020204" pitchFamily="34" charset="0"/>
+              <a:buChar char="•"/>
+            </a:pPr>
+            <a:r>
+              <a:rPr kumimoji="1" lang="en-US" altLang="ja-JP" dirty="0"/>
+              <a:t>WC</a:t>
+            </a:r>
+            <a:r>
+              <a:rPr kumimoji="1" lang="ja-JP" altLang="en-US" dirty="0"/>
+              <a:t>コマンドで行数を調べたところ、訓練データが</a:t>
+            </a:r>
+            <a:r>
+              <a:rPr kumimoji="1" lang="en-US" altLang="ja-JP" dirty="0"/>
+              <a:t>56</a:t>
+            </a:r>
+            <a:r>
+              <a:rPr kumimoji="1" lang="ja-JP" altLang="en-US" dirty="0"/>
+              <a:t>万</a:t>
+            </a:r>
+            <a:r>
+              <a:rPr kumimoji="1" lang="en-US" altLang="ja-JP" dirty="0"/>
+              <a:t>1809</a:t>
+            </a:r>
+            <a:r>
+              <a:rPr kumimoji="1" lang="ja-JP" altLang="en-US" dirty="0"/>
+              <a:t>行、評価データが</a:t>
+            </a:r>
+            <a:r>
+              <a:rPr kumimoji="1" lang="en-US" altLang="ja-JP" dirty="0"/>
+              <a:t>56</a:t>
+            </a:r>
+            <a:r>
+              <a:rPr kumimoji="1" lang="ja-JP" altLang="en-US" dirty="0"/>
+              <a:t>万</a:t>
+            </a:r>
+            <a:r>
+              <a:rPr kumimoji="1" lang="en-US" altLang="ja-JP" dirty="0"/>
+              <a:t>2889</a:t>
+            </a:r>
+            <a:r>
+              <a:rPr kumimoji="1" lang="ja-JP" altLang="en-US" dirty="0"/>
+              <a:t>行。</a:t>
+            </a:r>
+            <a:endParaRPr kumimoji="1" lang="en-US" altLang="ja-JP" dirty="0"/>
+          </a:p>
+          <a:p>
+            <a:pPr marL="285750" indent="-285750">
+              <a:buFont typeface="Arial" panose="020B0604020202020204" pitchFamily="34" charset="0"/>
+              <a:buChar char="•"/>
+            </a:pPr>
+            <a:endParaRPr kumimoji="1" lang="en-US" altLang="ja-JP" dirty="0"/>
+          </a:p>
+          <a:p>
+            <a:r>
+              <a:rPr kumimoji="1" lang="ja-JP" altLang="en-US" dirty="0"/>
+              <a:t>■訓練データの抜粋（行頭の属性と</a:t>
+            </a:r>
+            <a:r>
+              <a:rPr kumimoji="1" lang="en-US" altLang="ja-JP" dirty="0"/>
+              <a:t>1</a:t>
+            </a:r>
+            <a:r>
+              <a:rPr kumimoji="1" lang="ja-JP" altLang="en-US" dirty="0"/>
+              <a:t>番目のレコードのみ）</a:t>
+            </a:r>
+            <a:endParaRPr kumimoji="1" lang="en-US" altLang="ja-JP" dirty="0"/>
+          </a:p>
+          <a:p>
+            <a:endParaRPr kumimoji="1" lang="en-US" altLang="ja-JP" dirty="0"/>
+          </a:p>
+          <a:p>
+            <a:endParaRPr kumimoji="1" lang="en-US" altLang="ja-JP" dirty="0"/>
+          </a:p>
+        </p:txBody>
+      </p:sp>
+      <p:sp>
+        <p:nvSpPr>
+          <p:cNvPr id="2" name="正方形/長方形 1">
+            <a:extLst>
+              <a:ext uri="{FF2B5EF4-FFF2-40B4-BE49-F238E27FC236}">
+                <a16:creationId xmlns:a16="http://schemas.microsoft.com/office/drawing/2014/main" id="{6E4B05AB-B55C-4852-8652-37B7418B8C06}"/>
+              </a:ext>
+            </a:extLst>
+          </p:cNvPr>
+          <p:cNvSpPr/>
+          <p:nvPr/>
+        </p:nvSpPr>
+        <p:spPr>
+          <a:xfrm>
+            <a:off x="458871" y="3901490"/>
+            <a:ext cx="7502013" cy="2308324"/>
+          </a:xfrm>
+          <a:prstGeom prst="rect">
+            <a:avLst/>
+          </a:prstGeom>
+        </p:spPr>
+        <p:txBody>
+          <a:bodyPr wrap="square">
+            <a:spAutoFit/>
+          </a:bodyPr>
+          <a:lstStyle/>
+          <a:p>
+            <a:r>
+              <a:rPr lang="ja-JP" altLang="en-US" dirty="0"/>
+              <a:t>"id","comment_text","toxic","severe_toxic","obscene","threat","insult","identity_hate"</a:t>
+            </a:r>
+            <a:endParaRPr lang="en-US" altLang="ja-JP" dirty="0"/>
+          </a:p>
+          <a:p>
+            <a:endParaRPr lang="ja-JP" altLang="en-US" dirty="0"/>
+          </a:p>
+          <a:p>
+            <a:r>
+              <a:rPr lang="ja-JP" altLang="en-US" dirty="0"/>
+              <a:t>"0000997932d777bf","Explanation</a:t>
+            </a:r>
+          </a:p>
+          <a:p>
+            <a:r>
+              <a:rPr lang="ja-JP" altLang="en-US" dirty="0"/>
+              <a:t>Why the edits made under my username Hardcore Metallica Fan were reverted? They weren't vandalisms, just closure on some GAs after I voted at New York Dolls FAC. And please don't remove the template from the talk page since I'm retired now.89.205.38.27",0,0,0,0,0,0</a:t>
+            </a:r>
+          </a:p>
+        </p:txBody>
+      </p:sp>
+      <p:sp>
+        <p:nvSpPr>
+          <p:cNvPr id="11" name="左中かっこ 10">
+            <a:extLst>
+              <a:ext uri="{FF2B5EF4-FFF2-40B4-BE49-F238E27FC236}">
+                <a16:creationId xmlns:a16="http://schemas.microsoft.com/office/drawing/2014/main" id="{2EBBBD0E-A84F-4579-9B8B-3E5E16402B2C}"/>
+              </a:ext>
+            </a:extLst>
+          </p:cNvPr>
+          <p:cNvSpPr/>
+          <p:nvPr/>
+        </p:nvSpPr>
+        <p:spPr>
+          <a:xfrm rot="10800000">
+            <a:off x="7940065" y="3953464"/>
+            <a:ext cx="340356" cy="731743"/>
+          </a:xfrm>
+          <a:prstGeom prst="leftBrace">
+            <a:avLst>
+              <a:gd name="adj1" fmla="val 42311"/>
+              <a:gd name="adj2" fmla="val 50017"/>
+            </a:avLst>
+          </a:prstGeom>
+          <a:noFill/>
+        </p:spPr>
+        <p:style>
+          <a:lnRef idx="1">
+            <a:schemeClr val="accent1"/>
+          </a:lnRef>
+          <a:fillRef idx="0">
+            <a:schemeClr val="accent1"/>
+          </a:fillRef>
+          <a:effectRef idx="0">
+            <a:schemeClr val="accent1"/>
+          </a:effectRef>
+          <a:fontRef idx="minor">
+            <a:schemeClr val="tx1"/>
+          </a:fontRef>
+        </p:style>
+        <p:txBody>
+          <a:bodyPr rtlCol="0" anchor="ctr"/>
+          <a:lstStyle/>
+          <a:p>
+            <a:pPr algn="ctr"/>
+            <a:endParaRPr kumimoji="1" lang="ja-JP" altLang="en-US"/>
+          </a:p>
+        </p:txBody>
+      </p:sp>
+      <p:sp>
+        <p:nvSpPr>
+          <p:cNvPr id="12" name="テキスト ボックス 11">
+            <a:extLst>
+              <a:ext uri="{FF2B5EF4-FFF2-40B4-BE49-F238E27FC236}">
+                <a16:creationId xmlns:a16="http://schemas.microsoft.com/office/drawing/2014/main" id="{3F1DAA87-6190-48B2-AF21-2CF710707931}"/>
+              </a:ext>
+            </a:extLst>
+          </p:cNvPr>
+          <p:cNvSpPr txBox="1"/>
+          <p:nvPr/>
+        </p:nvSpPr>
+        <p:spPr>
+          <a:xfrm>
+            <a:off x="8364161" y="4200501"/>
+            <a:ext cx="461665" cy="276999"/>
+          </a:xfrm>
+          <a:prstGeom prst="rect">
+            <a:avLst/>
+          </a:prstGeom>
+          <a:noFill/>
+        </p:spPr>
+        <p:txBody>
+          <a:bodyPr wrap="none" lIns="0" tIns="0" rIns="0" bIns="0" rtlCol="0">
+            <a:spAutoFit/>
+          </a:bodyPr>
+          <a:lstStyle/>
+          <a:p>
+            <a:r>
+              <a:rPr kumimoji="1" lang="ja-JP" altLang="en-US" dirty="0"/>
+              <a:t>属性</a:t>
+            </a:r>
+          </a:p>
+        </p:txBody>
+      </p:sp>
+      <p:sp>
+        <p:nvSpPr>
+          <p:cNvPr id="13" name="左中かっこ 12">
+            <a:extLst>
+              <a:ext uri="{FF2B5EF4-FFF2-40B4-BE49-F238E27FC236}">
+                <a16:creationId xmlns:a16="http://schemas.microsoft.com/office/drawing/2014/main" id="{F3BC48A7-7E66-48CF-9C5C-B055F9EDD2C5}"/>
+              </a:ext>
+            </a:extLst>
+          </p:cNvPr>
+          <p:cNvSpPr/>
+          <p:nvPr/>
+        </p:nvSpPr>
+        <p:spPr>
+          <a:xfrm rot="10800000">
+            <a:off x="7940065" y="4967952"/>
+            <a:ext cx="340356" cy="1212831"/>
+          </a:xfrm>
+          <a:prstGeom prst="leftBrace">
+            <a:avLst>
+              <a:gd name="adj1" fmla="val 42311"/>
+              <a:gd name="adj2" fmla="val 50017"/>
+            </a:avLst>
+          </a:prstGeom>
+          <a:noFill/>
+        </p:spPr>
+        <p:style>
+          <a:lnRef idx="1">
+            <a:schemeClr val="accent1"/>
+          </a:lnRef>
+          <a:fillRef idx="0">
+            <a:schemeClr val="accent1"/>
+          </a:fillRef>
+          <a:effectRef idx="0">
+            <a:schemeClr val="accent1"/>
+          </a:effectRef>
+          <a:fontRef idx="minor">
+            <a:schemeClr val="tx1"/>
+          </a:fontRef>
+        </p:style>
+        <p:txBody>
+          <a:bodyPr rtlCol="0" anchor="ctr"/>
+          <a:lstStyle/>
+          <a:p>
+            <a:pPr algn="ctr"/>
+            <a:endParaRPr kumimoji="1" lang="ja-JP" altLang="en-US"/>
+          </a:p>
+        </p:txBody>
+      </p:sp>
+      <p:sp>
+        <p:nvSpPr>
+          <p:cNvPr id="14" name="テキスト ボックス 13">
+            <a:extLst>
+              <a:ext uri="{FF2B5EF4-FFF2-40B4-BE49-F238E27FC236}">
+                <a16:creationId xmlns:a16="http://schemas.microsoft.com/office/drawing/2014/main" id="{80839ED7-469F-4C54-A3CA-314B9030D1F3}"/>
+              </a:ext>
+            </a:extLst>
+          </p:cNvPr>
+          <p:cNvSpPr txBox="1"/>
+          <p:nvPr/>
+        </p:nvSpPr>
+        <p:spPr>
+          <a:xfrm>
+            <a:off x="8200540" y="5248811"/>
+            <a:ext cx="718145" cy="215444"/>
+          </a:xfrm>
+          <a:prstGeom prst="rect">
+            <a:avLst/>
+          </a:prstGeom>
+          <a:noFill/>
+        </p:spPr>
+        <p:txBody>
+          <a:bodyPr wrap="none" lIns="0" tIns="0" rIns="0" bIns="0" rtlCol="0">
+            <a:spAutoFit/>
+          </a:bodyPr>
+          <a:lstStyle/>
+          <a:p>
+            <a:r>
+              <a:rPr kumimoji="1" lang="ja-JP" altLang="en-US" sz="1400" dirty="0"/>
+              <a:t>レコード</a:t>
+            </a:r>
           </a:p>
         </p:txBody>
       </p:sp>
@@ -3438,7 +3973,7 @@
             </a:r>
             <a:r>
               <a:rPr kumimoji="1" lang="en-US" altLang="ja-JP" sz="2000" dirty="0"/>
-              <a:t>2018/11/2</a:t>
+              <a:t>2018/11/1</a:t>
             </a:r>
             <a:r>
               <a:rPr kumimoji="1" lang="ja-JP" altLang="en-US" sz="2000" dirty="0"/>
@@ -3478,10 +4013,10 @@
       </p:sp>
       <p:sp>
         <p:nvSpPr>
-          <p:cNvPr id="6" name="四角形: 角を丸くする 5">
+          <p:cNvPr id="4" name="四角形: 角を丸くする 3">
             <a:extLst>
               <a:ext uri="{FF2B5EF4-FFF2-40B4-BE49-F238E27FC236}">
-                <a16:creationId xmlns:a16="http://schemas.microsoft.com/office/drawing/2014/main" id="{1F3C6D51-4C76-44A2-B23F-C21578CBE598}"/>
+                <a16:creationId xmlns:a16="http://schemas.microsoft.com/office/drawing/2014/main" id="{EFB16278-5305-453C-8E2B-63A2BFD6B8BD}"/>
               </a:ext>
             </a:extLst>
           </p:cNvPr>
@@ -3522,6 +4057,911 @@
             <a:pPr algn="ctr"/>
             <a:r>
               <a:rPr lang="ja-JP" altLang="en-US" dirty="0"/>
+              <a:t>評価結果</a:t>
+            </a:r>
+            <a:endParaRPr lang="en-US" altLang="ja-JP" dirty="0"/>
+          </a:p>
+        </p:txBody>
+      </p:sp>
+      <p:sp>
+        <p:nvSpPr>
+          <p:cNvPr id="15" name="テキスト ボックス 14">
+            <a:extLst>
+              <a:ext uri="{FF2B5EF4-FFF2-40B4-BE49-F238E27FC236}">
+                <a16:creationId xmlns:a16="http://schemas.microsoft.com/office/drawing/2014/main" id="{282F33EA-FABE-4848-B302-90A6D715C634}"/>
+              </a:ext>
+            </a:extLst>
+          </p:cNvPr>
+          <p:cNvSpPr txBox="1"/>
+          <p:nvPr/>
+        </p:nvSpPr>
+        <p:spPr>
+          <a:xfrm>
+            <a:off x="561210" y="1711297"/>
+            <a:ext cx="8014303" cy="830997"/>
+          </a:xfrm>
+          <a:prstGeom prst="rect">
+            <a:avLst/>
+          </a:prstGeom>
+          <a:noFill/>
+        </p:spPr>
+        <p:txBody>
+          <a:bodyPr wrap="square" lIns="0" tIns="0" rIns="0" bIns="0" rtlCol="0">
+            <a:spAutoFit/>
+          </a:bodyPr>
+          <a:lstStyle/>
+          <a:p>
+            <a:r>
+              <a:rPr kumimoji="1" lang="ja-JP" altLang="en-US" dirty="0"/>
+              <a:t>■評価の流れ</a:t>
+            </a:r>
+            <a:endParaRPr kumimoji="1" lang="en-US" altLang="ja-JP" dirty="0"/>
+          </a:p>
+          <a:p>
+            <a:r>
+              <a:rPr kumimoji="1" lang="ja-JP" altLang="en-US" dirty="0"/>
+              <a:t>・</a:t>
+            </a:r>
+            <a:r>
+              <a:rPr kumimoji="1" lang="en-US" altLang="ja-JP" dirty="0"/>
+              <a:t>Logistic regression with words and char n-grams</a:t>
+            </a:r>
+            <a:r>
+              <a:rPr kumimoji="1" lang="ja-JP" altLang="en-US" dirty="0"/>
+              <a:t>からソースコードを取得し</a:t>
+            </a:r>
+            <a:endParaRPr kumimoji="1" lang="en-US" altLang="ja-JP" dirty="0"/>
+          </a:p>
+          <a:p>
+            <a:r>
+              <a:rPr kumimoji="1" lang="ja-JP" altLang="en-US" dirty="0"/>
+              <a:t>　私用の</a:t>
+            </a:r>
+            <a:r>
+              <a:rPr kumimoji="1" lang="en-US" altLang="ja-JP" dirty="0" err="1"/>
+              <a:t>MacbookPro</a:t>
+            </a:r>
+            <a:r>
+              <a:rPr kumimoji="1" lang="ja-JP" altLang="en-US" dirty="0"/>
+              <a:t>の</a:t>
+            </a:r>
+            <a:r>
+              <a:rPr kumimoji="1" lang="en-US" altLang="ja-JP" dirty="0" err="1"/>
+              <a:t>Jupyter</a:t>
+            </a:r>
+            <a:r>
+              <a:rPr kumimoji="1" lang="ja-JP" altLang="en-US" dirty="0"/>
+              <a:t>で</a:t>
+            </a:r>
+            <a:r>
+              <a:rPr kumimoji="1" lang="en-US" altLang="ja-JP" dirty="0"/>
+              <a:t>RUN</a:t>
+            </a:r>
+            <a:r>
+              <a:rPr kumimoji="1" lang="ja-JP" altLang="en-US" dirty="0"/>
+              <a:t>する。</a:t>
+            </a:r>
+          </a:p>
+        </p:txBody>
+      </p:sp>
+      <p:sp>
+        <p:nvSpPr>
+          <p:cNvPr id="16" name="矢印: 左 15">
+            <a:extLst>
+              <a:ext uri="{FF2B5EF4-FFF2-40B4-BE49-F238E27FC236}">
+                <a16:creationId xmlns:a16="http://schemas.microsoft.com/office/drawing/2014/main" id="{4F25DF8B-A088-4A2C-A6FB-1E1749796F0C}"/>
+              </a:ext>
+            </a:extLst>
+          </p:cNvPr>
+          <p:cNvSpPr/>
+          <p:nvPr/>
+        </p:nvSpPr>
+        <p:spPr>
+          <a:xfrm rot="16200000">
+            <a:off x="1691551" y="2664033"/>
+            <a:ext cx="914399" cy="1228229"/>
+          </a:xfrm>
+          <a:prstGeom prst="leftArrow">
+            <a:avLst>
+              <a:gd name="adj1" fmla="val 50000"/>
+              <a:gd name="adj2" fmla="val 28448"/>
+            </a:avLst>
+          </a:prstGeom>
+          <a:solidFill>
+            <a:schemeClr val="accent6">
+              <a:lumMod val="40000"/>
+              <a:lumOff val="60000"/>
+            </a:schemeClr>
+          </a:solidFill>
+        </p:spPr>
+        <p:style>
+          <a:lnRef idx="2">
+            <a:schemeClr val="accent6">
+              <a:shade val="50000"/>
+            </a:schemeClr>
+          </a:lnRef>
+          <a:fillRef idx="1">
+            <a:schemeClr val="accent6"/>
+          </a:fillRef>
+          <a:effectRef idx="0">
+            <a:schemeClr val="accent6"/>
+          </a:effectRef>
+          <a:fontRef idx="minor">
+            <a:schemeClr val="lt1"/>
+          </a:fontRef>
+        </p:style>
+        <p:txBody>
+          <a:bodyPr rtlCol="0" anchor="ctr"/>
+          <a:lstStyle/>
+          <a:p>
+            <a:pPr algn="ctr"/>
+            <a:endParaRPr kumimoji="1" lang="ja-JP" altLang="en-US"/>
+          </a:p>
+        </p:txBody>
+      </p:sp>
+      <p:sp>
+        <p:nvSpPr>
+          <p:cNvPr id="17" name="テキスト ボックス 16">
+            <a:extLst>
+              <a:ext uri="{FF2B5EF4-FFF2-40B4-BE49-F238E27FC236}">
+                <a16:creationId xmlns:a16="http://schemas.microsoft.com/office/drawing/2014/main" id="{D0C7846B-A7CB-4EA1-874B-FF9F95B292C7}"/>
+              </a:ext>
+            </a:extLst>
+          </p:cNvPr>
+          <p:cNvSpPr txBox="1"/>
+          <p:nvPr/>
+        </p:nvSpPr>
+        <p:spPr>
+          <a:xfrm>
+            <a:off x="1337853" y="3041670"/>
+            <a:ext cx="1732847" cy="276999"/>
+          </a:xfrm>
+          <a:prstGeom prst="rect">
+            <a:avLst/>
+          </a:prstGeom>
+          <a:solidFill>
+            <a:schemeClr val="accent4">
+              <a:lumMod val="20000"/>
+              <a:lumOff val="80000"/>
+            </a:schemeClr>
+          </a:solidFill>
+        </p:spPr>
+        <p:txBody>
+          <a:bodyPr wrap="none" lIns="0" tIns="0" rIns="0" bIns="0" rtlCol="0">
+            <a:spAutoFit/>
+          </a:bodyPr>
+          <a:lstStyle/>
+          <a:p>
+            <a:r>
+              <a:rPr kumimoji="1" lang="ja-JP" altLang="en-US" dirty="0"/>
+              <a:t>待つこと約</a:t>
+            </a:r>
+            <a:r>
+              <a:rPr kumimoji="1" lang="en-US" altLang="ja-JP" dirty="0"/>
+              <a:t>1</a:t>
+            </a:r>
+            <a:r>
+              <a:rPr kumimoji="1" lang="ja-JP" altLang="en-US" dirty="0"/>
+              <a:t>時間</a:t>
+            </a:r>
+          </a:p>
+        </p:txBody>
+      </p:sp>
+      <p:graphicFrame>
+        <p:nvGraphicFramePr>
+          <p:cNvPr id="18" name="表 17">
+            <a:extLst>
+              <a:ext uri="{FF2B5EF4-FFF2-40B4-BE49-F238E27FC236}">
+                <a16:creationId xmlns:a16="http://schemas.microsoft.com/office/drawing/2014/main" id="{B0A838A1-C6BD-4494-B3D8-6F33DB45DFC2}"/>
+              </a:ext>
+            </a:extLst>
+          </p:cNvPr>
+          <p:cNvGraphicFramePr>
+            <a:graphicFrameLocks noGrp="1"/>
+          </p:cNvGraphicFramePr>
+          <p:nvPr>
+            <p:extLst>
+              <p:ext uri="{D42A27DB-BD31-4B8C-83A1-F6EECF244321}">
+                <p14:modId xmlns:p14="http://schemas.microsoft.com/office/powerpoint/2010/main" val="3573796303"/>
+              </p:ext>
+            </p:extLst>
+          </p:nvPr>
+        </p:nvGraphicFramePr>
+        <p:xfrm>
+          <a:off x="3827581" y="2981852"/>
+          <a:ext cx="4055177" cy="914400"/>
+        </p:xfrm>
+        <a:graphic>
+          <a:graphicData uri="http://schemas.openxmlformats.org/drawingml/2006/table">
+            <a:tbl>
+              <a:tblPr firstRow="1" bandRow="1">
+                <a:tableStyleId>{5940675A-B579-460E-94D1-54222C63F5DA}</a:tableStyleId>
+              </a:tblPr>
+              <a:tblGrid>
+                <a:gridCol w="869572">
+                  <a:extLst>
+                    <a:ext uri="{9D8B030D-6E8A-4147-A177-3AD203B41FA5}">
+                      <a16:colId xmlns:a16="http://schemas.microsoft.com/office/drawing/2014/main" val="1340998976"/>
+                    </a:ext>
+                  </a:extLst>
+                </a:gridCol>
+                <a:gridCol w="3185605">
+                  <a:extLst>
+                    <a:ext uri="{9D8B030D-6E8A-4147-A177-3AD203B41FA5}">
+                      <a16:colId xmlns:a16="http://schemas.microsoft.com/office/drawing/2014/main" val="1223533839"/>
+                    </a:ext>
+                  </a:extLst>
+                </a:gridCol>
+              </a:tblGrid>
+              <a:tr h="276999">
+                <a:tc>
+                  <a:txBody>
+                    <a:bodyPr/>
+                    <a:lstStyle/>
+                    <a:p>
+                      <a:r>
+                        <a:rPr kumimoji="1" lang="en-US" altLang="ja-JP" sz="1400" dirty="0"/>
+                        <a:t>CPU</a:t>
+                      </a:r>
+                      <a:endParaRPr kumimoji="1" lang="ja-JP" altLang="en-US" sz="1400" dirty="0"/>
+                    </a:p>
+                  </a:txBody>
+                  <a:tcPr>
+                    <a:solidFill>
+                      <a:schemeClr val="accent6">
+                        <a:lumMod val="20000"/>
+                        <a:lumOff val="80000"/>
+                      </a:schemeClr>
+                    </a:solidFill>
+                  </a:tcPr>
+                </a:tc>
+                <a:tc>
+                  <a:txBody>
+                    <a:bodyPr/>
+                    <a:lstStyle/>
+                    <a:p>
+                      <a:r>
+                        <a:rPr lang="en-US" altLang="ja-JP" sz="1400" dirty="0"/>
+                        <a:t>i7-6567U@3.3GHz x 4</a:t>
+                      </a:r>
+                      <a:r>
+                        <a:rPr lang="ja-JP" altLang="en-US" sz="1400" dirty="0"/>
+                        <a:t>コア</a:t>
+                      </a:r>
+                      <a:endParaRPr kumimoji="1" lang="ja-JP" altLang="en-US" sz="1400" dirty="0"/>
+                    </a:p>
+                  </a:txBody>
+                  <a:tcPr/>
+                </a:tc>
+                <a:extLst>
+                  <a:ext uri="{0D108BD9-81ED-4DB2-BD59-A6C34878D82A}">
+                    <a16:rowId xmlns:a16="http://schemas.microsoft.com/office/drawing/2014/main" val="1333654651"/>
+                  </a:ext>
+                </a:extLst>
+              </a:tr>
+              <a:tr h="276999">
+                <a:tc>
+                  <a:txBody>
+                    <a:bodyPr/>
+                    <a:lstStyle/>
+                    <a:p>
+                      <a:r>
+                        <a:rPr kumimoji="1" lang="ja-JP" altLang="en-US" sz="1400" dirty="0"/>
+                        <a:t>メモリ</a:t>
+                      </a:r>
+                    </a:p>
+                  </a:txBody>
+                  <a:tcPr>
+                    <a:solidFill>
+                      <a:schemeClr val="accent6">
+                        <a:lumMod val="20000"/>
+                        <a:lumOff val="80000"/>
+                      </a:schemeClr>
+                    </a:solidFill>
+                  </a:tcPr>
+                </a:tc>
+                <a:tc>
+                  <a:txBody>
+                    <a:bodyPr/>
+                    <a:lstStyle/>
+                    <a:p>
+                      <a:r>
+                        <a:rPr kumimoji="1" lang="en-US" altLang="ja-JP" sz="1400" dirty="0"/>
+                        <a:t>16GB</a:t>
+                      </a:r>
+                      <a:endParaRPr kumimoji="1" lang="ja-JP" altLang="en-US" sz="1400" dirty="0"/>
+                    </a:p>
+                  </a:txBody>
+                  <a:tcPr/>
+                </a:tc>
+                <a:extLst>
+                  <a:ext uri="{0D108BD9-81ED-4DB2-BD59-A6C34878D82A}">
+                    <a16:rowId xmlns:a16="http://schemas.microsoft.com/office/drawing/2014/main" val="877227108"/>
+                  </a:ext>
+                </a:extLst>
+              </a:tr>
+              <a:tr h="276999">
+                <a:tc>
+                  <a:txBody>
+                    <a:bodyPr/>
+                    <a:lstStyle/>
+                    <a:p>
+                      <a:r>
+                        <a:rPr kumimoji="1" lang="en-US" altLang="ja-JP" sz="1400" dirty="0"/>
+                        <a:t>GPU</a:t>
+                      </a:r>
+                      <a:endParaRPr kumimoji="1" lang="ja-JP" altLang="en-US" sz="1400" dirty="0"/>
+                    </a:p>
+                  </a:txBody>
+                  <a:tcPr>
+                    <a:solidFill>
+                      <a:schemeClr val="accent6">
+                        <a:lumMod val="20000"/>
+                        <a:lumOff val="80000"/>
+                      </a:schemeClr>
+                    </a:solidFill>
+                  </a:tcPr>
+                </a:tc>
+                <a:tc>
+                  <a:txBody>
+                    <a:bodyPr/>
+                    <a:lstStyle/>
+                    <a:p>
+                      <a:r>
+                        <a:rPr kumimoji="1" lang="en-US" altLang="ja-JP" sz="1400" dirty="0"/>
+                        <a:t>Intel Iris Graphics 550</a:t>
+                      </a:r>
+                      <a:r>
+                        <a:rPr kumimoji="1" lang="ja-JP" altLang="en-US" sz="1400" dirty="0"/>
+                        <a:t> </a:t>
+                      </a:r>
+                      <a:r>
+                        <a:rPr kumimoji="1" lang="ja-JP" altLang="en-US" sz="1100" dirty="0"/>
+                        <a:t>←処理中は使われず</a:t>
+                      </a:r>
+                      <a:endParaRPr kumimoji="1" lang="ja-JP" altLang="en-US" sz="1400" dirty="0"/>
+                    </a:p>
+                  </a:txBody>
+                  <a:tcPr/>
+                </a:tc>
+                <a:extLst>
+                  <a:ext uri="{0D108BD9-81ED-4DB2-BD59-A6C34878D82A}">
+                    <a16:rowId xmlns:a16="http://schemas.microsoft.com/office/drawing/2014/main" val="4144274221"/>
+                  </a:ext>
+                </a:extLst>
+              </a:tr>
+            </a:tbl>
+          </a:graphicData>
+        </a:graphic>
+      </p:graphicFrame>
+      <p:sp>
+        <p:nvSpPr>
+          <p:cNvPr id="19" name="テキスト ボックス 18">
+            <a:extLst>
+              <a:ext uri="{FF2B5EF4-FFF2-40B4-BE49-F238E27FC236}">
+                <a16:creationId xmlns:a16="http://schemas.microsoft.com/office/drawing/2014/main" id="{3BB4C7A9-DFA4-4325-9C18-30648F62417A}"/>
+              </a:ext>
+            </a:extLst>
+          </p:cNvPr>
+          <p:cNvSpPr txBox="1"/>
+          <p:nvPr/>
+        </p:nvSpPr>
+        <p:spPr>
+          <a:xfrm>
+            <a:off x="3768244" y="2729784"/>
+            <a:ext cx="3631122" cy="215444"/>
+          </a:xfrm>
+          <a:prstGeom prst="rect">
+            <a:avLst/>
+          </a:prstGeom>
+          <a:noFill/>
+        </p:spPr>
+        <p:txBody>
+          <a:bodyPr wrap="none" lIns="0" tIns="0" rIns="0" bIns="0" rtlCol="0">
+            <a:spAutoFit/>
+          </a:bodyPr>
+          <a:lstStyle/>
+          <a:p>
+            <a:r>
+              <a:rPr kumimoji="1" lang="en-US" altLang="ja-JP" sz="1400" dirty="0"/>
+              <a:t>【</a:t>
+            </a:r>
+            <a:r>
+              <a:rPr kumimoji="1" lang="ja-JP" altLang="en-US" sz="1400" dirty="0"/>
+              <a:t>参考</a:t>
+            </a:r>
+            <a:r>
+              <a:rPr kumimoji="1" lang="en-US" altLang="ja-JP" sz="1400" dirty="0"/>
+              <a:t>】</a:t>
+            </a:r>
+            <a:r>
+              <a:rPr kumimoji="1" lang="ja-JP" altLang="en-US" sz="1400" dirty="0"/>
+              <a:t>評価</a:t>
+            </a:r>
+            <a:r>
+              <a:rPr kumimoji="1" lang="en-US" altLang="ja-JP" sz="1400" dirty="0"/>
+              <a:t>PC</a:t>
+            </a:r>
+            <a:r>
+              <a:rPr kumimoji="1" lang="ja-JP" altLang="en-US" sz="1400" dirty="0"/>
+              <a:t>（</a:t>
+            </a:r>
+            <a:r>
+              <a:rPr kumimoji="1" lang="en-US" altLang="ja-JP" sz="1400" dirty="0" err="1"/>
+              <a:t>MacbookPro</a:t>
+            </a:r>
+            <a:r>
+              <a:rPr kumimoji="1" lang="ja-JP" altLang="en-US" sz="1400" dirty="0"/>
+              <a:t>）スペック情報</a:t>
+            </a:r>
+          </a:p>
+        </p:txBody>
+      </p:sp>
+      <p:sp>
+        <p:nvSpPr>
+          <p:cNvPr id="9" name="テキスト ボックス 8">
+            <a:extLst>
+              <a:ext uri="{FF2B5EF4-FFF2-40B4-BE49-F238E27FC236}">
+                <a16:creationId xmlns:a16="http://schemas.microsoft.com/office/drawing/2014/main" id="{E073FA80-2BE5-4BA2-A639-A0C2A4AAE8D8}"/>
+              </a:ext>
+            </a:extLst>
+          </p:cNvPr>
+          <p:cNvSpPr txBox="1"/>
+          <p:nvPr/>
+        </p:nvSpPr>
+        <p:spPr>
+          <a:xfrm>
+            <a:off x="568487" y="4253087"/>
+            <a:ext cx="4894265" cy="1600438"/>
+          </a:xfrm>
+          <a:prstGeom prst="rect">
+            <a:avLst/>
+          </a:prstGeom>
+          <a:noFill/>
+        </p:spPr>
+        <p:txBody>
+          <a:bodyPr wrap="square" rtlCol="0">
+            <a:spAutoFit/>
+          </a:bodyPr>
+          <a:lstStyle/>
+          <a:p>
+            <a:r>
+              <a:rPr kumimoji="1" lang="en-US" altLang="ja-JP" sz="1400" dirty="0"/>
+              <a:t>CV score for class toxic is 0.9692156350497833</a:t>
+            </a:r>
+          </a:p>
+          <a:p>
+            <a:r>
+              <a:rPr kumimoji="1" lang="en-US" altLang="ja-JP" sz="1400" dirty="0"/>
+              <a:t>CV score for class </a:t>
+            </a:r>
+            <a:r>
+              <a:rPr kumimoji="1" lang="en-US" altLang="ja-JP" sz="1400" dirty="0" err="1"/>
+              <a:t>severe_toxic</a:t>
+            </a:r>
+            <a:r>
+              <a:rPr kumimoji="1" lang="en-US" altLang="ja-JP" sz="1400" dirty="0"/>
+              <a:t> is 0.9875938591018891</a:t>
+            </a:r>
+          </a:p>
+          <a:p>
+            <a:r>
+              <a:rPr kumimoji="1" lang="en-US" altLang="ja-JP" sz="1400" dirty="0"/>
+              <a:t>CV score for class obscene is 0.9838696975489344</a:t>
+            </a:r>
+          </a:p>
+          <a:p>
+            <a:r>
+              <a:rPr kumimoji="1" lang="en-US" altLang="ja-JP" sz="1400" dirty="0"/>
+              <a:t>CV score for class threat is 0.9833764206713553</a:t>
+            </a:r>
+          </a:p>
+          <a:p>
+            <a:r>
+              <a:rPr kumimoji="1" lang="en-US" altLang="ja-JP" sz="1400" dirty="0"/>
+              <a:t>CV score for class insult is 0.9774264753220822</a:t>
+            </a:r>
+          </a:p>
+          <a:p>
+            <a:r>
+              <a:rPr kumimoji="1" lang="en-US" altLang="ja-JP" sz="1400" dirty="0"/>
+              <a:t>CV score for class </a:t>
+            </a:r>
+            <a:r>
+              <a:rPr kumimoji="1" lang="en-US" altLang="ja-JP" sz="1400" dirty="0" err="1"/>
+              <a:t>identity_hate</a:t>
+            </a:r>
+            <a:r>
+              <a:rPr kumimoji="1" lang="en-US" altLang="ja-JP" sz="1400" dirty="0"/>
+              <a:t> is 0.9739428722139429</a:t>
+            </a:r>
+          </a:p>
+          <a:p>
+            <a:r>
+              <a:rPr kumimoji="1" lang="en-US" altLang="ja-JP" sz="1400" dirty="0"/>
+              <a:t>Total CV score is 0.9792374933179979</a:t>
+            </a:r>
+            <a:endParaRPr kumimoji="1" lang="ja-JP" altLang="en-US" sz="1400" dirty="0"/>
+          </a:p>
+        </p:txBody>
+      </p:sp>
+      <p:sp>
+        <p:nvSpPr>
+          <p:cNvPr id="20" name="テキスト ボックス 19">
+            <a:extLst>
+              <a:ext uri="{FF2B5EF4-FFF2-40B4-BE49-F238E27FC236}">
+                <a16:creationId xmlns:a16="http://schemas.microsoft.com/office/drawing/2014/main" id="{032B7CEB-2F0B-425F-9902-D661759DF914}"/>
+              </a:ext>
+            </a:extLst>
+          </p:cNvPr>
+          <p:cNvSpPr txBox="1"/>
+          <p:nvPr/>
+        </p:nvSpPr>
+        <p:spPr>
+          <a:xfrm>
+            <a:off x="561210" y="3898576"/>
+            <a:ext cx="1846659" cy="276999"/>
+          </a:xfrm>
+          <a:prstGeom prst="rect">
+            <a:avLst/>
+          </a:prstGeom>
+          <a:noFill/>
+        </p:spPr>
+        <p:txBody>
+          <a:bodyPr wrap="none" lIns="0" tIns="0" rIns="0" bIns="0" rtlCol="0">
+            <a:spAutoFit/>
+          </a:bodyPr>
+          <a:lstStyle/>
+          <a:p>
+            <a:r>
+              <a:rPr kumimoji="1" lang="ja-JP" altLang="en-US" dirty="0"/>
+              <a:t>■出力された内容</a:t>
+            </a:r>
+          </a:p>
+        </p:txBody>
+      </p:sp>
+      <p:sp>
+        <p:nvSpPr>
+          <p:cNvPr id="21" name="正方形/長方形 20">
+            <a:extLst>
+              <a:ext uri="{FF2B5EF4-FFF2-40B4-BE49-F238E27FC236}">
+                <a16:creationId xmlns:a16="http://schemas.microsoft.com/office/drawing/2014/main" id="{B155CDD7-CAD7-4455-8B60-4B77C0133345}"/>
+              </a:ext>
+            </a:extLst>
+          </p:cNvPr>
+          <p:cNvSpPr/>
+          <p:nvPr/>
+        </p:nvSpPr>
+        <p:spPr>
+          <a:xfrm>
+            <a:off x="414491" y="5887943"/>
+            <a:ext cx="7285724" cy="646331"/>
+          </a:xfrm>
+          <a:prstGeom prst="rect">
+            <a:avLst/>
+          </a:prstGeom>
+        </p:spPr>
+        <p:txBody>
+          <a:bodyPr wrap="square">
+            <a:spAutoFit/>
+          </a:bodyPr>
+          <a:lstStyle/>
+          <a:p>
+            <a:r>
+              <a:rPr lang="ja-JP" altLang="en-US" dirty="0"/>
+              <a:t>■ソースコードの格納場所（</a:t>
+            </a:r>
+            <a:r>
+              <a:rPr lang="en-US" altLang="ja-JP" dirty="0" err="1"/>
+              <a:t>Github</a:t>
+            </a:r>
+            <a:r>
+              <a:rPr lang="ja-JP" altLang="en-US" dirty="0"/>
+              <a:t>）</a:t>
+            </a:r>
+            <a:endParaRPr lang="en-US" altLang="ja-JP" dirty="0"/>
+          </a:p>
+          <a:p>
+            <a:r>
+              <a:rPr lang="ja-JP" altLang="en-US" dirty="0"/>
+              <a:t>　https://github.com/mkkrf137/TopSE_Kaggle2018.git</a:t>
+            </a:r>
+          </a:p>
+        </p:txBody>
+      </p:sp>
+      <p:sp>
+        <p:nvSpPr>
+          <p:cNvPr id="22" name="矢印: 左 21">
+            <a:extLst>
+              <a:ext uri="{FF2B5EF4-FFF2-40B4-BE49-F238E27FC236}">
+                <a16:creationId xmlns:a16="http://schemas.microsoft.com/office/drawing/2014/main" id="{FBBD828B-3263-4D5B-9BCF-95A9A6EF797E}"/>
+              </a:ext>
+            </a:extLst>
+          </p:cNvPr>
+          <p:cNvSpPr/>
+          <p:nvPr/>
+        </p:nvSpPr>
+        <p:spPr>
+          <a:xfrm flipH="1">
+            <a:off x="5196960" y="4770470"/>
+            <a:ext cx="294263" cy="453386"/>
+          </a:xfrm>
+          <a:prstGeom prst="leftArrow">
+            <a:avLst/>
+          </a:prstGeom>
+        </p:spPr>
+        <p:style>
+          <a:lnRef idx="2">
+            <a:schemeClr val="accent6">
+              <a:shade val="50000"/>
+            </a:schemeClr>
+          </a:lnRef>
+          <a:fillRef idx="1">
+            <a:schemeClr val="accent6"/>
+          </a:fillRef>
+          <a:effectRef idx="0">
+            <a:schemeClr val="accent6"/>
+          </a:effectRef>
+          <a:fontRef idx="minor">
+            <a:schemeClr val="lt1"/>
+          </a:fontRef>
+        </p:style>
+        <p:txBody>
+          <a:bodyPr rtlCol="0" anchor="ctr"/>
+          <a:lstStyle/>
+          <a:p>
+            <a:pPr algn="ctr"/>
+            <a:endParaRPr kumimoji="1" lang="ja-JP" altLang="en-US"/>
+          </a:p>
+        </p:txBody>
+      </p:sp>
+      <p:sp>
+        <p:nvSpPr>
+          <p:cNvPr id="23" name="左中かっこ 22">
+            <a:extLst>
+              <a:ext uri="{FF2B5EF4-FFF2-40B4-BE49-F238E27FC236}">
+                <a16:creationId xmlns:a16="http://schemas.microsoft.com/office/drawing/2014/main" id="{87AE64A0-C649-4A80-A416-6F62D39887A6}"/>
+              </a:ext>
+            </a:extLst>
+          </p:cNvPr>
+          <p:cNvSpPr/>
+          <p:nvPr/>
+        </p:nvSpPr>
+        <p:spPr>
+          <a:xfrm rot="10800000">
+            <a:off x="4802723" y="4298010"/>
+            <a:ext cx="340356" cy="1386612"/>
+          </a:xfrm>
+          <a:prstGeom prst="leftBrace">
+            <a:avLst>
+              <a:gd name="adj1" fmla="val 42311"/>
+              <a:gd name="adj2" fmla="val 50017"/>
+            </a:avLst>
+          </a:prstGeom>
+          <a:noFill/>
+        </p:spPr>
+        <p:style>
+          <a:lnRef idx="1">
+            <a:schemeClr val="accent1"/>
+          </a:lnRef>
+          <a:fillRef idx="0">
+            <a:schemeClr val="accent1"/>
+          </a:fillRef>
+          <a:effectRef idx="0">
+            <a:schemeClr val="accent1"/>
+          </a:effectRef>
+          <a:fontRef idx="minor">
+            <a:schemeClr val="tx1"/>
+          </a:fontRef>
+        </p:style>
+        <p:txBody>
+          <a:bodyPr rtlCol="0" anchor="ctr"/>
+          <a:lstStyle/>
+          <a:p>
+            <a:pPr algn="ctr"/>
+            <a:endParaRPr kumimoji="1" lang="ja-JP" altLang="en-US"/>
+          </a:p>
+        </p:txBody>
+      </p:sp>
+      <p:sp>
+        <p:nvSpPr>
+          <p:cNvPr id="24" name="テキスト ボックス 23">
+            <a:extLst>
+              <a:ext uri="{FF2B5EF4-FFF2-40B4-BE49-F238E27FC236}">
+                <a16:creationId xmlns:a16="http://schemas.microsoft.com/office/drawing/2014/main" id="{39C05133-DCB5-4A16-AD14-DC1B10D712E7}"/>
+              </a:ext>
+            </a:extLst>
+          </p:cNvPr>
+          <p:cNvSpPr txBox="1"/>
+          <p:nvPr/>
+        </p:nvSpPr>
+        <p:spPr>
+          <a:xfrm>
+            <a:off x="5583805" y="4869704"/>
+            <a:ext cx="2769989" cy="276999"/>
+          </a:xfrm>
+          <a:prstGeom prst="rect">
+            <a:avLst/>
+          </a:prstGeom>
+          <a:noFill/>
+        </p:spPr>
+        <p:txBody>
+          <a:bodyPr wrap="none" lIns="0" tIns="0" rIns="0" bIns="0" rtlCol="0">
+            <a:spAutoFit/>
+          </a:bodyPr>
+          <a:lstStyle/>
+          <a:p>
+            <a:r>
+              <a:rPr kumimoji="1" lang="ja-JP" altLang="en-US" dirty="0"/>
+              <a:t>詳細はソースコードに記載</a:t>
+            </a:r>
+          </a:p>
+        </p:txBody>
+      </p:sp>
+    </p:spTree>
+    <p:extLst>
+      <p:ext uri="{BB962C8B-B14F-4D97-AF65-F5344CB8AC3E}">
+        <p14:creationId xmlns:p14="http://schemas.microsoft.com/office/powerpoint/2010/main" val="3903016618"/>
+      </p:ext>
+    </p:extLst>
+  </p:cSld>
+  <p:clrMapOvr>
+    <a:masterClrMapping/>
+  </p:clrMapOvr>
+</p:sld>
+</file>
+
+<file path=ppt/slides/slide6.xml><?xml version="1.0" encoding="utf-8"?>
+<p:sld xmlns:a="http://schemas.openxmlformats.org/drawingml/2006/main" xmlns:r="http://schemas.openxmlformats.org/officeDocument/2006/relationships" xmlns:p="http://schemas.openxmlformats.org/presentationml/2006/main">
+  <p:cSld>
+    <p:spTree>
+      <p:nvGrpSpPr>
+        <p:cNvPr id="1" name=""/>
+        <p:cNvGrpSpPr/>
+        <p:nvPr/>
+      </p:nvGrpSpPr>
+      <p:grpSpPr>
+        <a:xfrm>
+          <a:off x="0" y="0"/>
+          <a:ext cx="0" cy="0"/>
+          <a:chOff x="0" y="0"/>
+          <a:chExt cx="0" cy="0"/>
+        </a:xfrm>
+      </p:grpSpPr>
+      <p:sp>
+        <p:nvSpPr>
+          <p:cNvPr id="5" name="テキスト ボックス 4">
+            <a:extLst>
+              <a:ext uri="{FF2B5EF4-FFF2-40B4-BE49-F238E27FC236}">
+                <a16:creationId xmlns:a16="http://schemas.microsoft.com/office/drawing/2014/main" id="{F237ABAE-2F92-46F5-90C8-1031ABFA3B2D}"/>
+              </a:ext>
+            </a:extLst>
+          </p:cNvPr>
+          <p:cNvSpPr txBox="1"/>
+          <p:nvPr/>
+        </p:nvSpPr>
+        <p:spPr>
+          <a:xfrm>
+            <a:off x="240628" y="128336"/>
+            <a:ext cx="8659531" cy="523220"/>
+          </a:xfrm>
+          <a:prstGeom prst="rect">
+            <a:avLst/>
+          </a:prstGeom>
+          <a:noFill/>
+        </p:spPr>
+        <p:txBody>
+          <a:bodyPr wrap="square" rtlCol="0">
+            <a:spAutoFit/>
+          </a:bodyPr>
+          <a:lstStyle/>
+          <a:p>
+            <a:r>
+              <a:rPr kumimoji="1" lang="en-US" altLang="ja-JP" sz="2800" dirty="0" err="1"/>
+              <a:t>TopSE</a:t>
+            </a:r>
+            <a:r>
+              <a:rPr kumimoji="1" lang="ja-JP" altLang="en-US" sz="2800" dirty="0"/>
+              <a:t> </a:t>
+            </a:r>
+            <a:r>
+              <a:rPr kumimoji="1" lang="en-US" altLang="ja-JP" sz="2800" dirty="0"/>
+              <a:t>SW</a:t>
+            </a:r>
+            <a:r>
+              <a:rPr kumimoji="1" lang="ja-JP" altLang="en-US" sz="2800" dirty="0"/>
+              <a:t>開発実践演習</a:t>
+            </a:r>
+            <a:r>
+              <a:rPr kumimoji="1" lang="ja-JP" altLang="en-US" sz="2000" dirty="0"/>
+              <a:t>（</a:t>
+            </a:r>
+            <a:r>
+              <a:rPr kumimoji="1" lang="en-US" altLang="ja-JP" sz="2000" dirty="0"/>
+              <a:t>2018/11/1</a:t>
+            </a:r>
+            <a:r>
+              <a:rPr kumimoji="1" lang="ja-JP" altLang="en-US" sz="2000" dirty="0"/>
+              <a:t>向け）</a:t>
+            </a:r>
+            <a:endParaRPr kumimoji="1" lang="ja-JP" altLang="en-US" sz="2800" dirty="0"/>
+          </a:p>
+        </p:txBody>
+      </p:sp>
+      <p:sp>
+        <p:nvSpPr>
+          <p:cNvPr id="7" name="スライド番号プレースホルダー 6"/>
+          <p:cNvSpPr>
+            <a:spLocks noGrp="1"/>
+          </p:cNvSpPr>
+          <p:nvPr>
+            <p:ph type="sldNum" sz="quarter" idx="4"/>
+          </p:nvPr>
+        </p:nvSpPr>
+        <p:spPr>
+          <a:xfrm>
+            <a:off x="7700215" y="6408156"/>
+            <a:ext cx="875298" cy="365125"/>
+          </a:xfrm>
+        </p:spPr>
+        <p:txBody>
+          <a:bodyPr/>
+          <a:lstStyle/>
+          <a:p>
+            <a:fld id="{DEE59679-AC90-4056-91C1-7FA6573155BD}" type="slidenum">
+              <a:rPr kumimoji="1" lang="ja-JP" altLang="en-US" smtClean="0"/>
+              <a:t>6</a:t>
+            </a:fld>
+            <a:endParaRPr kumimoji="1" lang="ja-JP" altLang="en-US"/>
+          </a:p>
+        </p:txBody>
+      </p:sp>
+      <p:sp>
+        <p:nvSpPr>
+          <p:cNvPr id="6" name="四角形: 角を丸くする 5">
+            <a:extLst>
+              <a:ext uri="{FF2B5EF4-FFF2-40B4-BE49-F238E27FC236}">
+                <a16:creationId xmlns:a16="http://schemas.microsoft.com/office/drawing/2014/main" id="{1F3C6D51-4C76-44A2-B23F-C21578CBE598}"/>
+              </a:ext>
+            </a:extLst>
+          </p:cNvPr>
+          <p:cNvSpPr/>
+          <p:nvPr/>
+        </p:nvSpPr>
+        <p:spPr>
+          <a:xfrm>
+            <a:off x="355476" y="977115"/>
+            <a:ext cx="8338801" cy="408623"/>
+          </a:xfrm>
+          <a:prstGeom prst="roundRect">
+            <a:avLst/>
+          </a:prstGeom>
+        </p:spPr>
+        <p:style>
+          <a:lnRef idx="2">
+            <a:schemeClr val="accent6">
+              <a:shade val="50000"/>
+            </a:schemeClr>
+          </a:lnRef>
+          <a:fillRef idx="1">
+            <a:schemeClr val="accent6"/>
+          </a:fillRef>
+          <a:effectRef idx="0">
+            <a:schemeClr val="accent6"/>
+          </a:effectRef>
+          <a:fontRef idx="minor">
+            <a:schemeClr val="lt1"/>
+          </a:fontRef>
+        </p:style>
+        <p:txBody>
+          <a:bodyPr wrap="square">
+            <a:spAutoFit/>
+          </a:bodyPr>
+          <a:lstStyle/>
+          <a:p>
+            <a:pPr algn="ctr"/>
+            <a:r>
+              <a:rPr lang="ja-JP" altLang="en-US" dirty="0"/>
               <a:t>今回調査で参考にした書籍や</a:t>
             </a:r>
             <a:r>
@@ -3530,7 +4970,7 @@
             </a:r>
             <a:r>
               <a:rPr lang="ja-JP" altLang="en-US" dirty="0"/>
-              <a:t>サイト</a:t>
+              <a:t>サイトなど</a:t>
             </a:r>
             <a:endParaRPr lang="en-US" altLang="ja-JP" dirty="0"/>
           </a:p>
@@ -3551,7 +4991,7 @@
         <p:spPr>
           <a:xfrm>
             <a:off x="539174" y="1711297"/>
-            <a:ext cx="7889718" cy="1600438"/>
+            <a:ext cx="7889718" cy="2985433"/>
           </a:xfrm>
           <a:prstGeom prst="rect">
             <a:avLst/>
@@ -3680,7 +5120,42 @@
               <a:rPr kumimoji="1" lang="en-US" altLang="ja-JP" dirty="0"/>
               <a:t>http://moritamori.hatenablog.com/entry/tfidf_vectorizer</a:t>
             </a:r>
-            <a:endParaRPr kumimoji="1" lang="ja-JP" altLang="en-US" dirty="0"/>
+          </a:p>
+          <a:p>
+            <a:pPr marL="285750" indent="-285750">
+              <a:buFont typeface="Arial" panose="020B0604020202020204" pitchFamily="34" charset="0"/>
+              <a:buChar char="•"/>
+            </a:pPr>
+            <a:endParaRPr kumimoji="1" lang="en-US" altLang="ja-JP" dirty="0"/>
+          </a:p>
+          <a:p>
+            <a:r>
+              <a:rPr kumimoji="1" lang="ja-JP" altLang="en-US" dirty="0"/>
+              <a:t>■今後の課題</a:t>
+            </a:r>
+            <a:endParaRPr kumimoji="1" lang="en-US" altLang="ja-JP" dirty="0"/>
+          </a:p>
+          <a:p>
+            <a:pPr marL="285750" indent="-285750">
+              <a:buFont typeface="Arial" panose="020B0604020202020204" pitchFamily="34" charset="0"/>
+              <a:buChar char="•"/>
+            </a:pPr>
+            <a:r>
+              <a:rPr kumimoji="1" lang="en-US" altLang="ja-JP" dirty="0" err="1"/>
+              <a:t>TfidfVectorizer</a:t>
+            </a:r>
+            <a:r>
+              <a:rPr kumimoji="1" lang="ja-JP" altLang="en-US" dirty="0"/>
+              <a:t>（文章内に出現する単語の出現頻度と希少性の</a:t>
+            </a:r>
+            <a:r>
+              <a:rPr kumimoji="1" lang="en-US" altLang="ja-JP" dirty="0"/>
+              <a:t>2</a:t>
+            </a:r>
+            <a:r>
+              <a:rPr kumimoji="1" lang="ja-JP" altLang="en-US" dirty="0"/>
+              <a:t>ファクターを用いたクラス分類アルゴリズム）の原理を数式レベルまで落とし込んで理解する。</a:t>
+            </a:r>
           </a:p>
         </p:txBody>
       </p:sp>
